--- a/Lightning Talks by VANCHHIT KHARE ( Semantic UI ).pptx
+++ b/Lightning Talks by VANCHHIT KHARE ( Semantic UI ).pptx
@@ -16,6 +16,7 @@
     <p:sldId id="265" r:id="rId10"/>
     <p:sldId id="267" r:id="rId11"/>
     <p:sldId id="269" r:id="rId12"/>
+    <p:sldId id="270" r:id="rId13"/>
   </p:sldIdLst>
   <p:sldSz cx="12192000" cy="6858000"/>
   <p:notesSz cx="6858000" cy="9144000"/>
@@ -8370,6 +8371,224 @@
 </p:sld>
 </file>
 
+<file path=ppt/slides/slide12.xml><?xml version="1.0" encoding="utf-8"?>
+<p:sld xmlns:a="http://schemas.openxmlformats.org/drawingml/2006/main" xmlns:r="http://schemas.openxmlformats.org/officeDocument/2006/relationships" xmlns:p="http://schemas.openxmlformats.org/presentationml/2006/main">
+  <p:cSld>
+    <p:spTree>
+      <p:nvGrpSpPr>
+        <p:cNvPr id="1" name=""/>
+        <p:cNvGrpSpPr/>
+        <p:nvPr/>
+      </p:nvGrpSpPr>
+      <p:grpSpPr>
+        <a:xfrm>
+          <a:off x="0" y="0"/>
+          <a:ext cx="0" cy="0"/>
+          <a:chOff x="0" y="0"/>
+          <a:chExt cx="0" cy="0"/>
+        </a:xfrm>
+      </p:grpSpPr>
+      <p:sp>
+        <p:nvSpPr>
+          <p:cNvPr id="2" name="TextBox 1"/>
+          <p:cNvSpPr txBox="1"/>
+          <p:nvPr/>
+        </p:nvSpPr>
+        <p:spPr>
+          <a:xfrm>
+            <a:off x="4757195" y="381964"/>
+            <a:ext cx="2472793" cy="707886"/>
+          </a:xfrm>
+          <a:prstGeom prst="rect">
+            <a:avLst/>
+          </a:prstGeom>
+        </p:spPr>
+        <p:style>
+          <a:lnRef idx="0">
+            <a:schemeClr val="accent6"/>
+          </a:lnRef>
+          <a:fillRef idx="3">
+            <a:schemeClr val="accent6"/>
+          </a:fillRef>
+          <a:effectRef idx="3">
+            <a:schemeClr val="accent6"/>
+          </a:effectRef>
+          <a:fontRef idx="minor">
+            <a:schemeClr val="lt1"/>
+          </a:fontRef>
+        </p:style>
+        <p:txBody>
+          <a:bodyPr wrap="none" rtlCol="0">
+            <a:spAutoFit/>
+          </a:bodyPr>
+          <a:lstStyle/>
+          <a:p>
+            <a:r>
+              <a:rPr lang="en-IN" sz="4000" dirty="0" smtClean="0"/>
+              <a:t>References</a:t>
+            </a:r>
+            <a:endParaRPr lang="en-US" sz="4000" dirty="0"/>
+          </a:p>
+        </p:txBody>
+      </p:sp>
+      <p:sp>
+        <p:nvSpPr>
+          <p:cNvPr id="3" name="Rectangle 2"/>
+          <p:cNvSpPr/>
+          <p:nvPr/>
+        </p:nvSpPr>
+        <p:spPr>
+          <a:xfrm>
+            <a:off x="2670452" y="1913245"/>
+            <a:ext cx="2545312" cy="369332"/>
+          </a:xfrm>
+          <a:prstGeom prst="rect">
+            <a:avLst/>
+          </a:prstGeom>
+        </p:spPr>
+        <p:txBody>
+          <a:bodyPr wrap="none">
+            <a:spAutoFit/>
+          </a:bodyPr>
+          <a:lstStyle/>
+          <a:p>
+            <a:r>
+              <a:rPr lang="en-US" dirty="0" smtClean="0"/>
+              <a:t>https://semantic-ui.com/</a:t>
+            </a:r>
+            <a:endParaRPr lang="en-US" dirty="0"/>
+          </a:p>
+        </p:txBody>
+      </p:sp>
+      <p:sp>
+        <p:nvSpPr>
+          <p:cNvPr id="4" name="Rectangle 3"/>
+          <p:cNvSpPr/>
+          <p:nvPr/>
+        </p:nvSpPr>
+        <p:spPr>
+          <a:xfrm>
+            <a:off x="2670452" y="2282577"/>
+            <a:ext cx="7820628" cy="369332"/>
+          </a:xfrm>
+          <a:prstGeom prst="rect">
+            <a:avLst/>
+          </a:prstGeom>
+        </p:spPr>
+        <p:txBody>
+          <a:bodyPr wrap="square">
+            <a:spAutoFit/>
+          </a:bodyPr>
+          <a:lstStyle/>
+          <a:p>
+            <a:r>
+              <a:rPr lang="en-US" dirty="0" smtClean="0"/>
+              <a:t>https://www.upwork.com/hiring/development/twitter-bootstrap-vs-semantic-ui/</a:t>
+            </a:r>
+            <a:endParaRPr lang="en-US" dirty="0"/>
+          </a:p>
+        </p:txBody>
+      </p:sp>
+      <p:sp>
+        <p:nvSpPr>
+          <p:cNvPr id="5" name="Rectangle 4"/>
+          <p:cNvSpPr/>
+          <p:nvPr/>
+        </p:nvSpPr>
+        <p:spPr>
+          <a:xfrm>
+            <a:off x="2670452" y="2651909"/>
+            <a:ext cx="6871504" cy="369332"/>
+          </a:xfrm>
+          <a:prstGeom prst="rect">
+            <a:avLst/>
+          </a:prstGeom>
+        </p:spPr>
+        <p:txBody>
+          <a:bodyPr wrap="square">
+            <a:spAutoFit/>
+          </a:bodyPr>
+          <a:lstStyle/>
+          <a:p>
+            <a:r>
+              <a:rPr lang="en-US" dirty="0" smtClean="0"/>
+              <a:t>https://stackshare.io/stackups/bootstrap-vs-foundation-vs-semantic-ui</a:t>
+            </a:r>
+            <a:endParaRPr lang="en-US" dirty="0"/>
+          </a:p>
+        </p:txBody>
+      </p:sp>
+      <p:sp>
+        <p:nvSpPr>
+          <p:cNvPr id="6" name="Rectangle 5"/>
+          <p:cNvSpPr/>
+          <p:nvPr/>
+        </p:nvSpPr>
+        <p:spPr>
+          <a:xfrm>
+            <a:off x="2670452" y="3067407"/>
+            <a:ext cx="8827625" cy="646331"/>
+          </a:xfrm>
+          <a:prstGeom prst="rect">
+            <a:avLst/>
+          </a:prstGeom>
+        </p:spPr>
+        <p:txBody>
+          <a:bodyPr wrap="square">
+            <a:spAutoFit/>
+          </a:bodyPr>
+          <a:lstStyle/>
+          <a:p>
+            <a:r>
+              <a:rPr lang="en-US" smtClean="0"/>
+              <a:t>https://codeburst.io/evaluating-css-frameworks-bulma-vs-foundation-vs-milligram-vs-pure-vs-semantic-vs-uikit-503883bd25a3</a:t>
+            </a:r>
+            <a:endParaRPr lang="en-US"/>
+          </a:p>
+        </p:txBody>
+      </p:sp>
+      <p:sp>
+        <p:nvSpPr>
+          <p:cNvPr id="7" name="Rectangle 6"/>
+          <p:cNvSpPr/>
+          <p:nvPr/>
+        </p:nvSpPr>
+        <p:spPr>
+          <a:xfrm>
+            <a:off x="2670452" y="3759904"/>
+            <a:ext cx="8580140" cy="369332"/>
+          </a:xfrm>
+          <a:prstGeom prst="rect">
+            <a:avLst/>
+          </a:prstGeom>
+        </p:spPr>
+        <p:txBody>
+          <a:bodyPr wrap="square">
+            <a:spAutoFit/>
+          </a:bodyPr>
+          <a:lstStyle/>
+          <a:p>
+            <a:r>
+              <a:rPr lang="en-US" dirty="0" smtClean="0"/>
+              <a:t>https://www.slant.co/versus/520/5087/~semantic-ui_vs_html5-boilerplate</a:t>
+            </a:r>
+            <a:endParaRPr lang="en-US" dirty="0"/>
+          </a:p>
+        </p:txBody>
+      </p:sp>
+    </p:spTree>
+    <p:extLst>
+      <p:ext uri="{BB962C8B-B14F-4D97-AF65-F5344CB8AC3E}">
+        <p14:creationId xmlns:p14="http://schemas.microsoft.com/office/powerpoint/2010/main" val="495105858"/>
+      </p:ext>
+    </p:extLst>
+  </p:cSld>
+  <p:clrMapOvr>
+    <a:masterClrMapping/>
+  </p:clrMapOvr>
+</p:sld>
+</file>
+
 <file path=ppt/slides/slide2.xml><?xml version="1.0" encoding="utf-8"?>
 <p:sld xmlns:a="http://schemas.openxmlformats.org/drawingml/2006/main" xmlns:r="http://schemas.openxmlformats.org/officeDocument/2006/relationships" xmlns:p="http://schemas.openxmlformats.org/presentationml/2006/main">
   <p:cSld>
